--- a/CompSET/PRESENTATION/Презентация омг (1).pptx
+++ b/CompSET/PRESENTATION/Презентация омг (1).pptx
@@ -15,6 +15,7 @@
     <p:sldId id="278" r:id="rId9"/>
     <p:sldId id="279" r:id="rId10"/>
     <p:sldId id="264" r:id="rId11"/>
+    <p:sldId id="280" r:id="rId12"/>
   </p:sldIdLst>
   <p:sldSz cx="12192000" cy="6858000"/>
   <p:notesSz cx="6858000" cy="9144000"/>
@@ -189,7 +190,7 @@
       <inkml:brushProperty name="color" value="#FFFFFF"/>
     </inkml:brush>
   </inkml:definitions>
-  <inkml:trace contextRef="#ctx0" brushRef="#br0">28231 16669 16383 0 0,'0'0'0'0'0</inkml:trace>
+  <inkml:trace contextRef="#ctx0" brushRef="#br0">28224 16672 16383 0 0,'0'0'0'0'0</inkml:trace>
 </inkml:ink>
 </file>
 
@@ -221,7 +222,7 @@
       <inkml:brushProperty name="color" value="#FFFFFF"/>
     </inkml:brush>
   </inkml:definitions>
-  <inkml:trace contextRef="#ctx0" brushRef="#br0">33258 16060 16383 0 0,'0'0'0'0'0</inkml:trace>
+  <inkml:trace contextRef="#ctx0" brushRef="#br0">33216 16032 16383 0 0,'0'0'0'0'0</inkml:trace>
 </inkml:ink>
 </file>
 
@@ -253,7 +254,7 @@
       <inkml:brushProperty name="color" value="#FFFFFF"/>
     </inkml:brush>
   </inkml:definitions>
-  <inkml:trace contextRef="#ctx0" brushRef="#br0">32411 15743 16383 0 0,'0'0'0'0'0</inkml:trace>
+  <inkml:trace contextRef="#ctx0" brushRef="#br0">32384 15744 16383 0 0,'0'0'0'0'0</inkml:trace>
 </inkml:ink>
 </file>
 
@@ -285,7 +286,7 @@
       <inkml:brushProperty name="color" value="#FFFFFF"/>
     </inkml:brush>
   </inkml:definitions>
-  <inkml:trace contextRef="#ctx0" brushRef="#br0">31829 14817 16383 0 0,'0'0'0'0'0</inkml:trace>
+  <inkml:trace contextRef="#ctx0" brushRef="#br0">31872 14816 16383 0 0,'0'0'0'0'0</inkml:trace>
 </inkml:ink>
 </file>
 
@@ -317,7 +318,7 @@
       <inkml:brushProperty name="color" value="#FFFFFF"/>
     </inkml:brush>
   </inkml:definitions>
-  <inkml:trace contextRef="#ctx0" brushRef="#br0">9102 5001 16383 0 0,'4'0'0'0'0,"3"0"0"0"0</inkml:trace>
+  <inkml:trace contextRef="#ctx0" brushRef="#br0">9102 5008 16383 0 0,'9'0'0'0'0,"9"0"0"0"0</inkml:trace>
 </inkml:ink>
 </file>
 
@@ -541,7 +542,7 @@
       <inkml:brushProperty name="color" value="#FFFFFF"/>
     </inkml:brush>
   </inkml:definitions>
-  <inkml:trace contextRef="#ctx0" brushRef="#br0">9102 5001 16383 0 0,'4'0'0'0'0,"3"0"0"0"0</inkml:trace>
+  <inkml:trace contextRef="#ctx0" brushRef="#br0">9102 5001 16383 0 0,'9'0'0'0'0,"9"0"0"0"0</inkml:trace>
 </inkml:ink>
 </file>
 
@@ -605,7 +606,7 @@
       <inkml:brushProperty name="color" value="#FFFFFF"/>
     </inkml:brush>
   </inkml:definitions>
-  <inkml:trace contextRef="#ctx0" brushRef="#br0">28231 16669 16383 0 0,'0'0'0'0'0</inkml:trace>
+  <inkml:trace contextRef="#ctx0" brushRef="#br0">28672 16640 16383 0 0,'0'0'0'0'0</inkml:trace>
 </inkml:ink>
 </file>
 
@@ -637,7 +638,7 @@
       <inkml:brushProperty name="color" value="#FFFFFF"/>
     </inkml:brush>
   </inkml:definitions>
-  <inkml:trace contextRef="#ctx0" brushRef="#br0">33258 16060 16383 0 0,'0'0'0'0'0</inkml:trace>
+  <inkml:trace contextRef="#ctx0" brushRef="#br0">33280 15360 16383 0 0,'0'0'0'0'0</inkml:trace>
 </inkml:ink>
 </file>
 
@@ -669,7 +670,7 @@
       <inkml:brushProperty name="color" value="#FFFFFF"/>
     </inkml:brush>
   </inkml:definitions>
-  <inkml:trace contextRef="#ctx0" brushRef="#br0">32411 15743 16383 0 0,'0'0'0'0'0</inkml:trace>
+  <inkml:trace contextRef="#ctx0" brushRef="#br0">31744 16128 16383 0 0,'0'0'0'0'0</inkml:trace>
 </inkml:ink>
 </file>
 
@@ -701,7 +702,7 @@
       <inkml:brushProperty name="color" value="#FFFFFF"/>
     </inkml:brush>
   </inkml:definitions>
-  <inkml:trace contextRef="#ctx0" brushRef="#br0">31829 14817 16383 0 0,'0'0'0'0'0</inkml:trace>
+  <inkml:trace contextRef="#ctx0" brushRef="#br0">31744 14592 16383 0 0,'0'0'0'0'0</inkml:trace>
 </inkml:ink>
 </file>
 
@@ -733,7 +734,7 @@
       <inkml:brushProperty name="color" value="#FFFFFF"/>
     </inkml:brush>
   </inkml:definitions>
-  <inkml:trace contextRef="#ctx0" brushRef="#br0">9102 5001 16383 0 0,'4'0'0'0'0,"3"0"0"0"0</inkml:trace>
+  <inkml:trace contextRef="#ctx0" brushRef="#br0">9102 5120 16383 0 0,'10'0'0'0'0,"7"0"0"0"0</inkml:trace>
 </inkml:ink>
 </file>
 
@@ -765,7 +766,7 @@
       <inkml:brushProperty name="color" value="#FFFFFF"/>
     </inkml:brush>
   </inkml:definitions>
-  <inkml:trace contextRef="#ctx0" brushRef="#br0">22304 11218 16383 0 0,'0'0'0'0'0</inkml:trace>
+  <inkml:trace contextRef="#ctx0" brushRef="#br0">22528 11264 16383 0 0,'0'0'0'0'0</inkml:trace>
 </inkml:ink>
 </file>
 
@@ -925,7 +926,7 @@
       <inkml:brushProperty name="color" value="#FFFFFF"/>
     </inkml:brush>
   </inkml:definitions>
-  <inkml:trace contextRef="#ctx0" brushRef="#br0">9102 5001 16383 0 0,'4'0'0'0'0,"3"0"0"0"0</inkml:trace>
+  <inkml:trace contextRef="#ctx0" brushRef="#br0">9102 5001 16383 0 0,'9'0'0'0'0,"8"0"0"0"0</inkml:trace>
 </inkml:ink>
 </file>
 
@@ -989,7 +990,7 @@
       <inkml:brushProperty name="color" value="#FFFFFF"/>
     </inkml:brush>
   </inkml:definitions>
-  <inkml:trace contextRef="#ctx0" brushRef="#br0">24711 5405 16383 0 0,'0'-8'0'0'0,"0"-7"0"0"0,0-5 0 0 0,0-4 0 0 0,0-1 0 0 0,0 0 0 0 0,105-5 0 0 0,53-1 0 0 0,-13 0 0 0 0,79 2 0 0 0,0 1 0 0 0,-26 2 0 0 0,52-7 0 0 0,105 1 0 0 0,-12 3 0 0 0,-67 2 0 0 0,-78-3 0 0 0,-67-8 0 0 0,-65-3 0 0 0,-39 3 0 0 0,-27-2 0 0 0,0 3 0 0 0,-27 3 0 0 0,14 3 0 0 0,0 4 0 0 0,13 1 0 0 0,-13-3 0 0 0,13-4 0 0 0,0-2 0 0 0,0 3 0 0 0,0 1 0 0 0,0-3 0 0 0,0-1 0 0 0,0-2 0 0 0,0 3 0 0 0,0 3 0 0 0,0-2 0 0 0,0-3 0 0 0,0 0 0 0 0,0 2 0 0 0,0 3 0 0 0,0-1 0 0 0,0-5 0 0 0,0 1 0 0 0,0 2 0 0 0,0 3 0 0 0,0 3 0 0 0,0 1 0 0 0,0-2 0 0 0,0-4 0 0 0,0-2 0 0 0,0 1 0 0 0,0 3 0 0 0,0-1 0 0 0,0-5 0 0 0,0 2 0 0 0,0 0 0 0 0,0 4 0 0 0,0-2 0 0 0,0-3 0 0 0,0 0 0 0 0,0 3 0 0 0,0 1 0 0 0,0-1 0 0 0,0-2 0 0 0,0-1 0 0 0,0-2 0 0 0,0-3 0 0 0,0 2 0 0 0,0 2 0 0 0,0 5 0 0 0,0-1 0 0 0,0-3 0 0 0,0 0 0 0 0,0 2 0 0 0,0 3 0 0 0,0-1 0 0 0,0 4 0 0 0</inkml:trace>
+  <inkml:trace contextRef="#ctx0" brushRef="#br0">24711 5404 16383 0 0,'0'-8'0'0'0,"0"-7"0"0"0,0-5 0 0 0,0-4 0 0 0,0-1 0 0 0,0 0 0 0 0,105-5 0 0 0,54-1 0 0 0,-14 0 0 0 0,79 2 0 0 0,1 1 0 0 0,-27 2 0 0 0,53-7 0 0 0,105 1 0 0 0,-13 3 0 0 0,-66 2 0 0 0,-79-3 0 0 0,-66-8 0 0 0,-66-3 0 0 0,-39 3 0 0 0,-27-2 0 0 0,0 3 0 0 0,-27 3 0 0 0,14 3 0 0 0,0 4 0 0 0,13 1 0 0 0,-13-3 0 0 0,13-4 0 0 0,0-2 0 0 0,0 3 0 0 0,0 1 0 0 0,0-3 0 0 0,0-1 0 0 0,0-2 0 0 0,0 3 0 0 0,0 3 0 0 0,0-2 0 0 0,0-3 0 0 0,0 0 0 0 0,0 2 0 0 0,0 4 0 0 0,0-2 0 0 0,0-5 0 0 0,0 1 0 0 0,0 2 0 0 0,0 3 0 0 0,0 3 0 0 0,0 1 0 0 0,0-2 0 0 0,0-4 0 0 0,0-2 0 0 0,0 1 0 0 0,0 3 0 0 0,0-1 0 0 0,0-5 0 0 0,0 2 0 0 0,0 0 0 0 0,0 4 0 0 0,0-2 0 0 0,0-3 0 0 0,0 0 0 0 0,0 3 0 0 0,0 1 0 0 0,0-1 0 0 0,0-2 0 0 0,0-1 0 0 0,0-2 0 0 0,0-3 0 0 0,0 2 0 0 0,0 2 0 0 0,0 5 0 0 0,0-1 0 0 0,0-3 0 0 0,0 0 0 0 0,0 2 0 0 0,0 3 0 0 0,0-1 0 0 0,0 4 0 0 0</inkml:trace>
 </inkml:ink>
 </file>
 
@@ -1122,7 +1123,7 @@
           <a:p>
             <a:fld id="{F2FFB779-270B-4192-84BA-A697F48306DC}" type="datetimeFigureOut">
               <a:rPr lang="ru-RU" smtClean="0"/>
-              <a:t>02.02.2026</a:t>
+              <a:t>03.02.2026</a:t>
             </a:fld>
             <a:endParaRPr lang="ru-RU"/>
           </a:p>
@@ -1290,7 +1291,7 @@
           <a:p>
             <a:fld id="{F2FFB779-270B-4192-84BA-A697F48306DC}" type="datetimeFigureOut">
               <a:rPr lang="ru-RU" smtClean="0"/>
-              <a:t>02.02.2026</a:t>
+              <a:t>03.02.2026</a:t>
             </a:fld>
             <a:endParaRPr lang="ru-RU"/>
           </a:p>
@@ -1468,7 +1469,7 @@
           <a:p>
             <a:fld id="{F2FFB779-270B-4192-84BA-A697F48306DC}" type="datetimeFigureOut">
               <a:rPr lang="ru-RU" smtClean="0"/>
-              <a:t>02.02.2026</a:t>
+              <a:t>03.02.2026</a:t>
             </a:fld>
             <a:endParaRPr lang="ru-RU"/>
           </a:p>
@@ -1636,7 +1637,7 @@
           <a:p>
             <a:fld id="{F2FFB779-270B-4192-84BA-A697F48306DC}" type="datetimeFigureOut">
               <a:rPr lang="ru-RU" smtClean="0"/>
-              <a:t>02.02.2026</a:t>
+              <a:t>03.02.2026</a:t>
             </a:fld>
             <a:endParaRPr lang="ru-RU"/>
           </a:p>
@@ -1881,7 +1882,7 @@
           <a:p>
             <a:fld id="{F2FFB779-270B-4192-84BA-A697F48306DC}" type="datetimeFigureOut">
               <a:rPr lang="ru-RU" smtClean="0"/>
-              <a:t>02.02.2026</a:t>
+              <a:t>03.02.2026</a:t>
             </a:fld>
             <a:endParaRPr lang="ru-RU"/>
           </a:p>
@@ -2110,7 +2111,7 @@
           <a:p>
             <a:fld id="{F2FFB779-270B-4192-84BA-A697F48306DC}" type="datetimeFigureOut">
               <a:rPr lang="ru-RU" smtClean="0"/>
-              <a:t>02.02.2026</a:t>
+              <a:t>03.02.2026</a:t>
             </a:fld>
             <a:endParaRPr lang="ru-RU"/>
           </a:p>
@@ -2474,7 +2475,7 @@
           <a:p>
             <a:fld id="{F2FFB779-270B-4192-84BA-A697F48306DC}" type="datetimeFigureOut">
               <a:rPr lang="ru-RU" smtClean="0"/>
-              <a:t>02.02.2026</a:t>
+              <a:t>03.02.2026</a:t>
             </a:fld>
             <a:endParaRPr lang="ru-RU"/>
           </a:p>
@@ -2591,7 +2592,7 @@
           <a:p>
             <a:fld id="{F2FFB779-270B-4192-84BA-A697F48306DC}" type="datetimeFigureOut">
               <a:rPr lang="ru-RU" smtClean="0"/>
-              <a:t>02.02.2026</a:t>
+              <a:t>03.02.2026</a:t>
             </a:fld>
             <a:endParaRPr lang="ru-RU"/>
           </a:p>
@@ -2686,7 +2687,7 @@
           <a:p>
             <a:fld id="{F2FFB779-270B-4192-84BA-A697F48306DC}" type="datetimeFigureOut">
               <a:rPr lang="ru-RU" smtClean="0"/>
-              <a:t>02.02.2026</a:t>
+              <a:t>03.02.2026</a:t>
             </a:fld>
             <a:endParaRPr lang="ru-RU"/>
           </a:p>
@@ -2961,7 +2962,7 @@
           <a:p>
             <a:fld id="{F2FFB779-270B-4192-84BA-A697F48306DC}" type="datetimeFigureOut">
               <a:rPr lang="ru-RU" smtClean="0"/>
-              <a:t>02.02.2026</a:t>
+              <a:t>03.02.2026</a:t>
             </a:fld>
             <a:endParaRPr lang="ru-RU"/>
           </a:p>
@@ -3213,7 +3214,7 @@
           <a:p>
             <a:fld id="{F2FFB779-270B-4192-84BA-A697F48306DC}" type="datetimeFigureOut">
               <a:rPr lang="ru-RU" smtClean="0"/>
-              <a:t>02.02.2026</a:t>
+              <a:t>03.02.2026</a:t>
             </a:fld>
             <a:endParaRPr lang="ru-RU"/>
           </a:p>
@@ -3424,7 +3425,7 @@
           <a:p>
             <a:fld id="{F2FFB779-270B-4192-84BA-A697F48306DC}" type="datetimeFigureOut">
               <a:rPr lang="ru-RU" smtClean="0"/>
-              <a:t>02.02.2026</a:t>
+              <a:t>03.02.2026</a:t>
             </a:fld>
             <a:endParaRPr lang="ru-RU"/>
           </a:p>
@@ -4697,6 +4698,13 @@
   <p:clrMapOvr>
     <a:masterClrMapping/>
   </p:clrMapOvr>
+  <p:timing>
+    <p:tnLst>
+      <p:par>
+        <p:cTn id="1" dur="indefinite" restart="never" nodeType="tmRoot"/>
+      </p:par>
+    </p:tnLst>
+  </p:timing>
 </p:sld>
 </file>
 
@@ -4882,6 +4890,98 @@
   <p:clrMapOvr>
     <a:masterClrMapping/>
   </p:clrMapOvr>
+  <p:timing>
+    <p:tnLst>
+      <p:par>
+        <p:cTn id="1" dur="indefinite" restart="never" nodeType="tmRoot"/>
+      </p:par>
+    </p:tnLst>
+  </p:timing>
+</p:sld>
+</file>
+
+<file path=ppt/slides/slide11.xml><?xml version="1.0" encoding="utf-8"?>
+<p:sld xmlns:a="http://schemas.openxmlformats.org/drawingml/2006/main" xmlns:r="http://schemas.openxmlformats.org/officeDocument/2006/relationships" xmlns:p="http://schemas.openxmlformats.org/presentationml/2006/main">
+  <p:cSld>
+    <p:spTree>
+      <p:nvGrpSpPr>
+        <p:cNvPr id="1" name=""/>
+        <p:cNvGrpSpPr/>
+        <p:nvPr/>
+      </p:nvGrpSpPr>
+      <p:grpSpPr>
+        <a:xfrm>
+          <a:off x="0" y="0"/>
+          <a:ext cx="0" cy="0"/>
+          <a:chOff x="0" y="0"/>
+          <a:chExt cx="0" cy="0"/>
+        </a:xfrm>
+      </p:grpSpPr>
+      <p:sp>
+        <p:nvSpPr>
+          <p:cNvPr id="2" name="Заголовок 1"/>
+          <p:cNvSpPr>
+            <a:spLocks noGrp="1"/>
+          </p:cNvSpPr>
+          <p:nvPr>
+            <p:ph type="title"/>
+          </p:nvPr>
+        </p:nvSpPr>
+        <p:spPr/>
+        <p:txBody>
+          <a:bodyPr/>
+          <a:lstStyle/>
+          <a:p>
+            <a:endParaRPr lang="ru-RU"/>
+          </a:p>
+        </p:txBody>
+      </p:sp>
+      <p:pic>
+        <p:nvPicPr>
+          <p:cNvPr id="4" name="Объект 3"/>
+          <p:cNvPicPr>
+            <a:picLocks noGrp="1" noChangeAspect="1"/>
+          </p:cNvPicPr>
+          <p:nvPr>
+            <p:ph idx="1"/>
+          </p:nvPr>
+        </p:nvPicPr>
+        <p:blipFill>
+          <a:blip r:embed="rId2">
+            <a:extLst>
+              <a:ext uri="{28A0092B-C50C-407E-A947-70E740481C1C}">
+                <a14:useLocalDpi xmlns:a14="http://schemas.microsoft.com/office/drawing/2010/main" val="0"/>
+              </a:ext>
+            </a:extLst>
+          </a:blip>
+          <a:stretch>
+            <a:fillRect/>
+          </a:stretch>
+        </p:blipFill>
+        <p:spPr>
+          <a:xfrm>
+            <a:off x="0" y="0"/>
+            <a:ext cx="12191999" cy="6858000"/>
+          </a:xfrm>
+        </p:spPr>
+      </p:pic>
+    </p:spTree>
+    <p:extLst>
+      <p:ext uri="{BB962C8B-B14F-4D97-AF65-F5344CB8AC3E}">
+        <p14:creationId xmlns:p14="http://schemas.microsoft.com/office/powerpoint/2010/main" val="1900586192"/>
+      </p:ext>
+    </p:extLst>
+  </p:cSld>
+  <p:clrMapOvr>
+    <a:masterClrMapping/>
+  </p:clrMapOvr>
+  <p:timing>
+    <p:tnLst>
+      <p:par>
+        <p:cTn id="1" dur="indefinite" restart="never" nodeType="tmRoot"/>
+      </p:par>
+    </p:tnLst>
+  </p:timing>
 </p:sld>
 </file>
 
@@ -4918,7 +5018,7 @@
                 <a16:creationId xmlns:a16="http://schemas.microsoft.com/office/drawing/2014/main" id="{04812C46-200A-4DEB-A05E-3ED6C68C2387}"/>
               </a:ext>
               <a:ext uri="{C183D7F6-B498-43B3-948B-1728B52AA6E4}">
-                <adec:decorative xmlns:adec="http://schemas.microsoft.com/office/drawing/2017/decorative" val="1"/>
+                <adec:decorative xmlns="" xmlns:adec="http://schemas.microsoft.com/office/drawing/2017/decorative" val="1"/>
               </a:ext>
             </a:extLst>
           </p:cNvPr>
@@ -5009,7 +5109,7 @@
                 <a16:creationId xmlns:a16="http://schemas.microsoft.com/office/drawing/2014/main" id="{D1EA859B-E555-4109-94F3-6700E046E008}"/>
               </a:ext>
               <a:ext uri="{C183D7F6-B498-43B3-948B-1728B52AA6E4}">
-                <adec:decorative xmlns:adec="http://schemas.microsoft.com/office/drawing/2017/decorative" val="1"/>
+                <adec:decorative xmlns="" xmlns:adec="http://schemas.microsoft.com/office/drawing/2017/decorative" val="1"/>
               </a:ext>
             </a:extLst>
           </p:cNvPr>
@@ -5421,6 +5521,13 @@
   <p:clrMapOvr>
     <a:masterClrMapping/>
   </p:clrMapOvr>
+  <p:timing>
+    <p:tnLst>
+      <p:par>
+        <p:cTn id="1" dur="indefinite" restart="never" nodeType="tmRoot"/>
+      </p:par>
+    </p:tnLst>
+  </p:timing>
 </p:sld>
 </file>
 
@@ -5591,7 +5698,7 @@
         </p:spPr>
         <p:txBody>
           <a:bodyPr>
-            <a:normAutofit fontScale="90000"/>
+            <a:normAutofit/>
           </a:bodyPr>
           <a:lstStyle/>
           <a:p>
@@ -6394,6 +6501,13 @@
   <p:clrMapOvr>
     <a:masterClrMapping/>
   </p:clrMapOvr>
+  <p:timing>
+    <p:tnLst>
+      <p:par>
+        <p:cTn id="1" dur="indefinite" restart="never" nodeType="tmRoot"/>
+      </p:par>
+    </p:tnLst>
+  </p:timing>
 </p:sld>
 </file>
 
@@ -6430,7 +6544,7 @@
                 <a16:creationId xmlns:a16="http://schemas.microsoft.com/office/drawing/2014/main" id="{04812C46-200A-4DEB-A05E-3ED6C68C2387}"/>
               </a:ext>
               <a:ext uri="{C183D7F6-B498-43B3-948B-1728B52AA6E4}">
-                <adec:decorative xmlns:adec="http://schemas.microsoft.com/office/drawing/2017/decorative" val="1"/>
+                <adec:decorative xmlns="" xmlns:adec="http://schemas.microsoft.com/office/drawing/2017/decorative" val="1"/>
               </a:ext>
             </a:extLst>
           </p:cNvPr>
@@ -6521,7 +6635,7 @@
                 <a16:creationId xmlns:a16="http://schemas.microsoft.com/office/drawing/2014/main" id="{D1EA859B-E555-4109-94F3-6700E046E008}"/>
               </a:ext>
               <a:ext uri="{C183D7F6-B498-43B3-948B-1728B52AA6E4}">
-                <adec:decorative xmlns:adec="http://schemas.microsoft.com/office/drawing/2017/decorative" val="1"/>
+                <adec:decorative xmlns="" xmlns:adec="http://schemas.microsoft.com/office/drawing/2017/decorative" val="1"/>
               </a:ext>
             </a:extLst>
           </p:cNvPr>
@@ -6730,6 +6844,13 @@
   <p:clrMapOvr>
     <a:masterClrMapping/>
   </p:clrMapOvr>
+  <p:timing>
+    <p:tnLst>
+      <p:par>
+        <p:cTn id="1" dur="indefinite" restart="never" nodeType="tmRoot"/>
+      </p:par>
+    </p:tnLst>
+  </p:timing>
 </p:sld>
 </file>
 
@@ -7662,6 +7783,13 @@
   <p:clrMapOvr>
     <a:masterClrMapping/>
   </p:clrMapOvr>
+  <p:timing>
+    <p:tnLst>
+      <p:par>
+        <p:cTn id="1" dur="indefinite" restart="never" nodeType="tmRoot"/>
+      </p:par>
+    </p:tnLst>
+  </p:timing>
 </p:sld>
 </file>
 
@@ -7720,8 +7848,8 @@
           </a:prstGeom>
         </p:spPr>
       </p:pic>
-      <mc:AlternateContent xmlns:mc="http://schemas.openxmlformats.org/markup-compatibility/2006">
-        <mc:Choice xmlns:p14="http://schemas.microsoft.com/office/powerpoint/2010/main" Requires="p14">
+      <mc:AlternateContent xmlns:mc="http://schemas.openxmlformats.org/markup-compatibility/2006" xmlns:p14="http://schemas.microsoft.com/office/powerpoint/2010/main">
+        <mc:Choice Requires="p14">
           <p:contentPart p14:bwMode="auto" r:id="rId3">
             <p14:nvContentPartPr>
               <p14:cNvPr id="5" name="Рукописный ввод 4">
@@ -7740,7 +7868,7 @@
             </p14:xfrm>
           </p:contentPart>
         </mc:Choice>
-        <mc:Fallback>
+        <mc:Fallback xmlns="">
           <p:pic>
             <p:nvPicPr>
               <p:cNvPr id="5" name="Рукописный ввод 4">
@@ -7771,8 +7899,8 @@
           </p:pic>
         </mc:Fallback>
       </mc:AlternateContent>
-      <mc:AlternateContent xmlns:mc="http://schemas.openxmlformats.org/markup-compatibility/2006">
-        <mc:Choice xmlns:p14="http://schemas.microsoft.com/office/powerpoint/2010/main" Requires="p14">
+      <mc:AlternateContent xmlns:mc="http://schemas.openxmlformats.org/markup-compatibility/2006" xmlns:p14="http://schemas.microsoft.com/office/powerpoint/2010/main">
+        <mc:Choice Requires="p14">
           <p:contentPart p14:bwMode="auto" r:id="rId5">
             <p14:nvContentPartPr>
               <p14:cNvPr id="6" name="Рукописный ввод 5">
@@ -7791,7 +7919,7 @@
             </p14:xfrm>
           </p:contentPart>
         </mc:Choice>
-        <mc:Fallback>
+        <mc:Fallback xmlns="">
           <p:pic>
             <p:nvPicPr>
               <p:cNvPr id="6" name="Рукописный ввод 5">
@@ -7822,8 +7950,8 @@
           </p:pic>
         </mc:Fallback>
       </mc:AlternateContent>
-      <mc:AlternateContent xmlns:mc="http://schemas.openxmlformats.org/markup-compatibility/2006">
-        <mc:Choice xmlns:p14="http://schemas.microsoft.com/office/powerpoint/2010/main" Requires="p14">
+      <mc:AlternateContent xmlns:mc="http://schemas.openxmlformats.org/markup-compatibility/2006" xmlns:p14="http://schemas.microsoft.com/office/powerpoint/2010/main">
+        <mc:Choice Requires="p14">
           <p:contentPart p14:bwMode="auto" r:id="rId6">
             <p14:nvContentPartPr>
               <p14:cNvPr id="7" name="Рукописный ввод 6">
@@ -7842,7 +7970,7 @@
             </p14:xfrm>
           </p:contentPart>
         </mc:Choice>
-        <mc:Fallback>
+        <mc:Fallback xmlns="">
           <p:pic>
             <p:nvPicPr>
               <p:cNvPr id="7" name="Рукописный ввод 6">
@@ -7873,8 +8001,8 @@
           </p:pic>
         </mc:Fallback>
       </mc:AlternateContent>
-      <mc:AlternateContent xmlns:mc="http://schemas.openxmlformats.org/markup-compatibility/2006">
-        <mc:Choice xmlns:p14="http://schemas.microsoft.com/office/powerpoint/2010/main" Requires="p14">
+      <mc:AlternateContent xmlns:mc="http://schemas.openxmlformats.org/markup-compatibility/2006" xmlns:p14="http://schemas.microsoft.com/office/powerpoint/2010/main">
+        <mc:Choice Requires="p14">
           <p:contentPart p14:bwMode="auto" r:id="rId7">
             <p14:nvContentPartPr>
               <p14:cNvPr id="8" name="Рукописный ввод 7">
@@ -7893,7 +8021,7 @@
             </p14:xfrm>
           </p:contentPart>
         </mc:Choice>
-        <mc:Fallback>
+        <mc:Fallback xmlns="">
           <p:pic>
             <p:nvPicPr>
               <p:cNvPr id="8" name="Рукописный ввод 7">
@@ -7924,8 +8052,8 @@
           </p:pic>
         </mc:Fallback>
       </mc:AlternateContent>
-      <mc:AlternateContent xmlns:mc="http://schemas.openxmlformats.org/markup-compatibility/2006">
-        <mc:Choice xmlns:p14="http://schemas.microsoft.com/office/powerpoint/2010/main" Requires="p14">
+      <mc:AlternateContent xmlns:mc="http://schemas.openxmlformats.org/markup-compatibility/2006" xmlns:p14="http://schemas.microsoft.com/office/powerpoint/2010/main">
+        <mc:Choice Requires="p14">
           <p:contentPart p14:bwMode="auto" r:id="rId8">
             <p14:nvContentPartPr>
               <p14:cNvPr id="12" name="Рукописный ввод 11">
@@ -7944,7 +8072,7 @@
             </p14:xfrm>
           </p:contentPart>
         </mc:Choice>
-        <mc:Fallback>
+        <mc:Fallback xmlns="">
           <p:pic>
             <p:nvPicPr>
               <p:cNvPr id="12" name="Рукописный ввод 11">
@@ -8415,6 +8543,13 @@
   <p:clrMapOvr>
     <a:masterClrMapping/>
   </p:clrMapOvr>
+  <p:timing>
+    <p:tnLst>
+      <p:par>
+        <p:cTn id="1" dur="indefinite" restart="never" nodeType="tmRoot"/>
+      </p:par>
+    </p:tnLst>
+  </p:timing>
 </p:sld>
 </file>
 
@@ -8523,8 +8658,8 @@
           </a:p>
         </p:txBody>
       </p:sp>
-      <mc:AlternateContent xmlns:mc="http://schemas.openxmlformats.org/markup-compatibility/2006">
-        <mc:Choice xmlns:p14="http://schemas.microsoft.com/office/powerpoint/2010/main" Requires="p14">
+      <mc:AlternateContent xmlns:mc="http://schemas.openxmlformats.org/markup-compatibility/2006" xmlns:p14="http://schemas.microsoft.com/office/powerpoint/2010/main">
+        <mc:Choice Requires="p14">
           <p:contentPart p14:bwMode="auto" r:id="rId3">
             <p14:nvContentPartPr>
               <p14:cNvPr id="5" name="Рукописный ввод 4">
@@ -8543,7 +8678,7 @@
             </p14:xfrm>
           </p:contentPart>
         </mc:Choice>
-        <mc:Fallback>
+        <mc:Fallback xmlns="">
           <p:pic>
             <p:nvPicPr>
               <p:cNvPr id="5" name="Рукописный ввод 4">
@@ -8574,8 +8709,8 @@
           </p:pic>
         </mc:Fallback>
       </mc:AlternateContent>
-      <mc:AlternateContent xmlns:mc="http://schemas.openxmlformats.org/markup-compatibility/2006">
-        <mc:Choice xmlns:p14="http://schemas.microsoft.com/office/powerpoint/2010/main" Requires="p14">
+      <mc:AlternateContent xmlns:mc="http://schemas.openxmlformats.org/markup-compatibility/2006" xmlns:p14="http://schemas.microsoft.com/office/powerpoint/2010/main">
+        <mc:Choice Requires="p14">
           <p:contentPart p14:bwMode="auto" r:id="rId5">
             <p14:nvContentPartPr>
               <p14:cNvPr id="6" name="Рукописный ввод 5">
@@ -8594,7 +8729,7 @@
             </p14:xfrm>
           </p:contentPart>
         </mc:Choice>
-        <mc:Fallback>
+        <mc:Fallback xmlns="">
           <p:pic>
             <p:nvPicPr>
               <p:cNvPr id="6" name="Рукописный ввод 5">
@@ -8625,8 +8760,8 @@
           </p:pic>
         </mc:Fallback>
       </mc:AlternateContent>
-      <mc:AlternateContent xmlns:mc="http://schemas.openxmlformats.org/markup-compatibility/2006">
-        <mc:Choice xmlns:p14="http://schemas.microsoft.com/office/powerpoint/2010/main" Requires="p14">
+      <mc:AlternateContent xmlns:mc="http://schemas.openxmlformats.org/markup-compatibility/2006" xmlns:p14="http://schemas.microsoft.com/office/powerpoint/2010/main">
+        <mc:Choice Requires="p14">
           <p:contentPart p14:bwMode="auto" r:id="rId6">
             <p14:nvContentPartPr>
               <p14:cNvPr id="7" name="Рукописный ввод 6">
@@ -8645,7 +8780,7 @@
             </p14:xfrm>
           </p:contentPart>
         </mc:Choice>
-        <mc:Fallback>
+        <mc:Fallback xmlns="">
           <p:pic>
             <p:nvPicPr>
               <p:cNvPr id="7" name="Рукописный ввод 6">
@@ -8676,8 +8811,8 @@
           </p:pic>
         </mc:Fallback>
       </mc:AlternateContent>
-      <mc:AlternateContent xmlns:mc="http://schemas.openxmlformats.org/markup-compatibility/2006">
-        <mc:Choice xmlns:p14="http://schemas.microsoft.com/office/powerpoint/2010/main" Requires="p14">
+      <mc:AlternateContent xmlns:mc="http://schemas.openxmlformats.org/markup-compatibility/2006" xmlns:p14="http://schemas.microsoft.com/office/powerpoint/2010/main">
+        <mc:Choice Requires="p14">
           <p:contentPart p14:bwMode="auto" r:id="rId7">
             <p14:nvContentPartPr>
               <p14:cNvPr id="8" name="Рукописный ввод 7">
@@ -8696,7 +8831,7 @@
             </p14:xfrm>
           </p:contentPart>
         </mc:Choice>
-        <mc:Fallback>
+        <mc:Fallback xmlns="">
           <p:pic>
             <p:nvPicPr>
               <p:cNvPr id="8" name="Рукописный ввод 7">
@@ -8727,8 +8862,8 @@
           </p:pic>
         </mc:Fallback>
       </mc:AlternateContent>
-      <mc:AlternateContent xmlns:mc="http://schemas.openxmlformats.org/markup-compatibility/2006">
-        <mc:Choice xmlns:p14="http://schemas.microsoft.com/office/powerpoint/2010/main" Requires="p14">
+      <mc:AlternateContent xmlns:mc="http://schemas.openxmlformats.org/markup-compatibility/2006" xmlns:p14="http://schemas.microsoft.com/office/powerpoint/2010/main">
+        <mc:Choice Requires="p14">
           <p:contentPart p14:bwMode="auto" r:id="rId8">
             <p14:nvContentPartPr>
               <p14:cNvPr id="9" name="Рукописный ввод 8">
@@ -8747,7 +8882,7 @@
             </p14:xfrm>
           </p:contentPart>
         </mc:Choice>
-        <mc:Fallback>
+        <mc:Fallback xmlns="">
           <p:pic>
             <p:nvPicPr>
               <p:cNvPr id="9" name="Рукописный ввод 8">
@@ -8778,8 +8913,8 @@
           </p:pic>
         </mc:Fallback>
       </mc:AlternateContent>
-      <mc:AlternateContent xmlns:mc="http://schemas.openxmlformats.org/markup-compatibility/2006">
-        <mc:Choice xmlns:p14="http://schemas.microsoft.com/office/powerpoint/2010/main" Requires="p14">
+      <mc:AlternateContent xmlns:mc="http://schemas.openxmlformats.org/markup-compatibility/2006" xmlns:p14="http://schemas.microsoft.com/office/powerpoint/2010/main">
+        <mc:Choice Requires="p14">
           <p:contentPart p14:bwMode="auto" r:id="rId10">
             <p14:nvContentPartPr>
               <p14:cNvPr id="12" name="Рукописный ввод 11">
@@ -8798,7 +8933,7 @@
             </p14:xfrm>
           </p:contentPart>
         </mc:Choice>
-        <mc:Fallback>
+        <mc:Fallback xmlns="">
           <p:pic>
             <p:nvPicPr>
               <p:cNvPr id="12" name="Рукописный ввод 11">
@@ -8829,8 +8964,8 @@
           </p:pic>
         </mc:Fallback>
       </mc:AlternateContent>
-      <mc:AlternateContent xmlns:mc="http://schemas.openxmlformats.org/markup-compatibility/2006">
-        <mc:Choice xmlns:p14="http://schemas.microsoft.com/office/powerpoint/2010/main" Requires="p14">
+      <mc:AlternateContent xmlns:mc="http://schemas.openxmlformats.org/markup-compatibility/2006" xmlns:p14="http://schemas.microsoft.com/office/powerpoint/2010/main">
+        <mc:Choice Requires="p14">
           <p:contentPart p14:bwMode="auto" r:id="rId12">
             <p14:nvContentPartPr>
               <p14:cNvPr id="17" name="Рукописный ввод 16">
@@ -8849,7 +8984,7 @@
             </p14:xfrm>
           </p:contentPart>
         </mc:Choice>
-        <mc:Fallback>
+        <mc:Fallback xmlns="">
           <p:pic>
             <p:nvPicPr>
               <p:cNvPr id="17" name="Рукописный ввод 16">
@@ -8940,8 +9075,8 @@
         </p:nvSpPr>
         <p:spPr>
           <a:xfrm>
-            <a:off x="4930906" y="2501504"/>
-            <a:ext cx="7108668" cy="3785652"/>
+            <a:off x="4933182" y="2121225"/>
+            <a:ext cx="7108668" cy="4154984"/>
           </a:xfrm>
           <a:prstGeom prst="rect">
             <a:avLst/>
@@ -8962,7 +9097,7 @@
               <a:buChar char="-"/>
             </a:pPr>
             <a:r>
-              <a:rPr lang="en-US" sz="2400" b="1" i="1" dirty="0">
+              <a:rPr lang="en-US" sz="2000" b="1" i="1" dirty="0">
                 <a:solidFill>
                   <a:srgbClr val="222222"/>
                 </a:solidFill>
@@ -8972,7 +9107,7 @@
               <a:t>ГОСТ Р ИСО/МЭК 27033‑1‑2011</a:t>
             </a:r>
             <a:r>
-              <a:rPr lang="en-US" sz="2400" dirty="0">
+              <a:rPr lang="en-US" sz="2000" dirty="0">
                 <a:solidFill>
                   <a:srgbClr val="222222"/>
                 </a:solidFill>
@@ -8982,7 +9117,7 @@
               <a:t> — </a:t>
             </a:r>
             <a:r>
-              <a:rPr lang="en-US" sz="2400" dirty="0" err="1">
+              <a:rPr lang="en-US" sz="2000" dirty="0" err="1">
                 <a:solidFill>
                   <a:srgbClr val="222222"/>
                 </a:solidFill>
@@ -8992,7 +9127,7 @@
               <a:t>Основы</a:t>
             </a:r>
             <a:r>
-              <a:rPr lang="en-US" sz="2400" dirty="0">
+              <a:rPr lang="en-US" sz="2000" dirty="0">
                 <a:solidFill>
                   <a:srgbClr val="222222"/>
                 </a:solidFill>
@@ -9002,7 +9137,7 @@
               <a:t> и </a:t>
             </a:r>
             <a:r>
-              <a:rPr lang="en-US" sz="2400" dirty="0" err="1">
+              <a:rPr lang="en-US" sz="2000" dirty="0" err="1">
                 <a:solidFill>
                   <a:srgbClr val="222222"/>
                 </a:solidFill>
@@ -9012,7 +9147,7 @@
               <a:t>концепции</a:t>
             </a:r>
             <a:r>
-              <a:rPr lang="en-US" sz="2400" dirty="0">
+              <a:rPr lang="en-US" sz="2000" dirty="0">
                 <a:solidFill>
                   <a:srgbClr val="222222"/>
                 </a:solidFill>
@@ -9022,7 +9157,7 @@
               <a:t> </a:t>
             </a:r>
             <a:r>
-              <a:rPr lang="en-US" sz="2400" dirty="0" err="1">
+              <a:rPr lang="en-US" sz="2000" dirty="0" err="1">
                 <a:solidFill>
                   <a:srgbClr val="222222"/>
                 </a:solidFill>
@@ -9032,7 +9167,7 @@
               <a:t>сетевой</a:t>
             </a:r>
             <a:r>
-              <a:rPr lang="en-US" sz="2400" dirty="0">
+              <a:rPr lang="en-US" sz="2000" dirty="0">
                 <a:solidFill>
                   <a:srgbClr val="222222"/>
                 </a:solidFill>
@@ -9042,7 +9177,7 @@
               <a:t> </a:t>
             </a:r>
             <a:r>
-              <a:rPr lang="en-US" sz="2400" dirty="0" err="1">
+              <a:rPr lang="en-US" sz="2000" dirty="0" err="1">
                 <a:solidFill>
                   <a:srgbClr val="222222"/>
                 </a:solidFill>
@@ -9052,7 +9187,7 @@
               <a:t>безопасности</a:t>
             </a:r>
             <a:r>
-              <a:rPr lang="en-US" sz="2400" dirty="0">
+              <a:rPr lang="en-US" sz="2000" dirty="0">
                 <a:solidFill>
                   <a:srgbClr val="222222"/>
                 </a:solidFill>
@@ -9061,7 +9196,7 @@
               </a:rPr>
               <a:t>.</a:t>
             </a:r>
-            <a:endParaRPr lang="ru-RU" dirty="0">
+            <a:endParaRPr lang="ru-RU" sz="2000" dirty="0">
               <a:solidFill>
                 <a:srgbClr val="000000"/>
               </a:solidFill>
@@ -9072,7 +9207,7 @@
               <a:buFont typeface="Calibri"/>
               <a:buChar char="-"/>
             </a:pPr>
-            <a:endParaRPr lang="en-US" sz="2400" b="1" i="1" dirty="0">
+            <a:endParaRPr lang="en-US" sz="2000" b="1" i="1" dirty="0">
               <a:solidFill>
                 <a:srgbClr val="222222"/>
               </a:solidFill>
@@ -9086,7 +9221,7 @@
               <a:buChar char="-"/>
             </a:pPr>
             <a:r>
-              <a:rPr lang="en-US" sz="2400" b="1" i="1" dirty="0">
+              <a:rPr lang="en-US" sz="2000" b="1" i="1" dirty="0">
                 <a:solidFill>
                   <a:srgbClr val="222222"/>
                 </a:solidFill>
@@ -9096,7 +9231,7 @@
               <a:t>ГОСТ Р ИСО/МЭК 27033‑3‑2014</a:t>
             </a:r>
             <a:r>
-              <a:rPr lang="en-US" sz="2400" dirty="0">
+              <a:rPr lang="en-US" sz="2000" dirty="0">
                 <a:solidFill>
                   <a:srgbClr val="222222"/>
                 </a:solidFill>
@@ -9106,7 +9241,7 @@
               <a:t> — </a:t>
             </a:r>
             <a:r>
-              <a:rPr lang="en-US" sz="2400" dirty="0" err="1">
+              <a:rPr lang="en-US" sz="2000" dirty="0" err="1">
                 <a:solidFill>
                   <a:srgbClr val="222222"/>
                 </a:solidFill>
@@ -9116,7 +9251,7 @@
               <a:t>Защита</a:t>
             </a:r>
             <a:r>
-              <a:rPr lang="en-US" sz="2400" dirty="0">
+              <a:rPr lang="en-US" sz="2000" dirty="0">
                 <a:solidFill>
                   <a:srgbClr val="222222"/>
                 </a:solidFill>
@@ -9126,7 +9261,7 @@
               <a:t> </a:t>
             </a:r>
             <a:r>
-              <a:rPr lang="en-US" sz="2400" dirty="0" err="1">
+              <a:rPr lang="en-US" sz="2000" dirty="0" err="1">
                 <a:solidFill>
                   <a:srgbClr val="222222"/>
                 </a:solidFill>
@@ -9136,7 +9271,7 @@
               <a:t>для</a:t>
             </a:r>
             <a:r>
-              <a:rPr lang="en-US" sz="2400" dirty="0">
+              <a:rPr lang="en-US" sz="2000" dirty="0">
                 <a:solidFill>
                   <a:srgbClr val="222222"/>
                 </a:solidFill>
@@ -9146,7 +9281,7 @@
               <a:t> </a:t>
             </a:r>
             <a:r>
-              <a:rPr lang="en-US" sz="2400" dirty="0" err="1">
+              <a:rPr lang="en-US" sz="2000" dirty="0" err="1">
                 <a:solidFill>
                   <a:srgbClr val="222222"/>
                 </a:solidFill>
@@ -9156,7 +9291,7 @@
               <a:t>типовых</a:t>
             </a:r>
             <a:r>
-              <a:rPr lang="en-US" sz="2400" dirty="0">
+              <a:rPr lang="en-US" sz="2000" dirty="0">
                 <a:solidFill>
                   <a:srgbClr val="222222"/>
                 </a:solidFill>
@@ -9166,7 +9301,7 @@
               <a:t> </a:t>
             </a:r>
             <a:r>
-              <a:rPr lang="en-US" sz="2400" dirty="0" err="1">
+              <a:rPr lang="en-US" sz="2000" dirty="0" err="1">
                 <a:solidFill>
                   <a:srgbClr val="222222"/>
                 </a:solidFill>
@@ -9176,7 +9311,7 @@
               <a:t>сетевых</a:t>
             </a:r>
             <a:r>
-              <a:rPr lang="en-US" sz="2400" dirty="0">
+              <a:rPr lang="en-US" sz="2000" dirty="0">
                 <a:solidFill>
                   <a:srgbClr val="222222"/>
                 </a:solidFill>
@@ -9186,7 +9321,7 @@
               <a:t> </a:t>
             </a:r>
             <a:r>
-              <a:rPr lang="en-US" sz="2400" dirty="0" err="1">
+              <a:rPr lang="en-US" sz="2000" dirty="0" err="1">
                 <a:solidFill>
                   <a:srgbClr val="222222"/>
                 </a:solidFill>
@@ -9196,7 +9331,7 @@
               <a:t>сценариев</a:t>
             </a:r>
             <a:r>
-              <a:rPr lang="en-US" sz="2400" dirty="0">
+              <a:rPr lang="en-US" sz="2000" dirty="0">
                 <a:solidFill>
                   <a:srgbClr val="222222"/>
                 </a:solidFill>
@@ -9205,14 +9340,14 @@
               </a:rPr>
               <a:t>.</a:t>
             </a:r>
-            <a:endParaRPr lang="en-US" dirty="0"/>
+            <a:endParaRPr lang="en-US" sz="2000" dirty="0"/>
           </a:p>
           <a:p>
             <a:pPr marL="342900" indent="-342900">
               <a:buFont typeface="Calibri"/>
               <a:buChar char="-"/>
             </a:pPr>
-            <a:endParaRPr lang="en-US" sz="2400" dirty="0">
+            <a:endParaRPr lang="en-US" sz="2000" dirty="0">
               <a:solidFill>
                 <a:srgbClr val="222222"/>
               </a:solidFill>
@@ -9226,7 +9361,7 @@
               <a:buChar char="-"/>
             </a:pPr>
             <a:r>
-              <a:rPr lang="en-US" sz="2400" b="1" i="1" dirty="0">
+              <a:rPr lang="en-US" sz="2000" b="1" i="1" dirty="0">
                 <a:solidFill>
                   <a:srgbClr val="222222"/>
                 </a:solidFill>
@@ -9236,7 +9371,7 @@
               <a:t>ГОСТ Р 59710‑2022</a:t>
             </a:r>
             <a:r>
-              <a:rPr lang="en-US" sz="2400" dirty="0">
+              <a:rPr lang="en-US" sz="2000" dirty="0">
                 <a:solidFill>
                   <a:srgbClr val="222222"/>
                 </a:solidFill>
@@ -9246,7 +9381,7 @@
               <a:t> — </a:t>
             </a:r>
             <a:r>
-              <a:rPr lang="en-US" sz="2400" dirty="0" err="1">
+              <a:rPr lang="en-US" sz="2000" dirty="0" err="1">
                 <a:solidFill>
                   <a:srgbClr val="222222"/>
                 </a:solidFill>
@@ -9256,7 +9391,7 @@
               <a:t>Управление</a:t>
             </a:r>
             <a:r>
-              <a:rPr lang="en-US" sz="2400" dirty="0">
+              <a:rPr lang="en-US" sz="2000" dirty="0">
                 <a:solidFill>
                   <a:srgbClr val="222222"/>
                 </a:solidFill>
@@ -9266,7 +9401,7 @@
               <a:t> </a:t>
             </a:r>
             <a:r>
-              <a:rPr lang="en-US" sz="2400" dirty="0" err="1">
+              <a:rPr lang="en-US" sz="2000" dirty="0" err="1">
                 <a:solidFill>
                   <a:srgbClr val="222222"/>
                 </a:solidFill>
@@ -9276,7 +9411,7 @@
               <a:t>компьютерными</a:t>
             </a:r>
             <a:r>
-              <a:rPr lang="en-US" sz="2400" dirty="0">
+              <a:rPr lang="en-US" sz="2000" dirty="0">
                 <a:solidFill>
                   <a:srgbClr val="222222"/>
                 </a:solidFill>
@@ -9286,7 +9421,7 @@
               <a:t> </a:t>
             </a:r>
             <a:r>
-              <a:rPr lang="en-US" sz="2400" dirty="0" err="1">
+              <a:rPr lang="en-US" sz="2000" dirty="0" err="1">
                 <a:solidFill>
                   <a:srgbClr val="222222"/>
                 </a:solidFill>
@@ -9296,7 +9431,7 @@
               <a:t>инцидентами</a:t>
             </a:r>
             <a:r>
-              <a:rPr lang="en-US" sz="2400" dirty="0">
+              <a:rPr lang="en-US" sz="2000" dirty="0">
                 <a:solidFill>
                   <a:srgbClr val="222222"/>
                 </a:solidFill>
@@ -9306,7 +9441,7 @@
               <a:t> (</a:t>
             </a:r>
             <a:r>
-              <a:rPr lang="en-US" sz="2400" dirty="0" err="1">
+              <a:rPr lang="en-US" sz="2000" dirty="0" err="1">
                 <a:solidFill>
                   <a:srgbClr val="222222"/>
                 </a:solidFill>
@@ -9316,7 +9451,7 @@
               <a:t>ГосСОПКА</a:t>
             </a:r>
             <a:r>
-              <a:rPr lang="en-US" sz="2400" dirty="0">
+              <a:rPr lang="en-US" sz="2000" dirty="0" smtClean="0">
                 <a:solidFill>
                   <a:srgbClr val="222222"/>
                 </a:solidFill>
@@ -9325,14 +9460,43 @@
               </a:rPr>
               <a:t>).</a:t>
             </a:r>
-            <a:endParaRPr lang="en-US"/>
+            <a:endParaRPr lang="ru-RU" sz="2000" dirty="0" smtClean="0">
+              <a:solidFill>
+                <a:srgbClr val="222222"/>
+              </a:solidFill>
+              <a:ea typeface="+mn-lt"/>
+              <a:cs typeface="+mn-lt"/>
+            </a:endParaRPr>
           </a:p>
           <a:p>
             <a:pPr marL="342900" indent="-342900">
               <a:buFont typeface="Calibri"/>
               <a:buChar char="-"/>
             </a:pPr>
-            <a:endParaRPr lang="en-US" sz="2400" dirty="0">
+            <a:endParaRPr lang="en-US" sz="2000" dirty="0"/>
+          </a:p>
+          <a:p>
+            <a:pPr marL="342900" indent="-342900">
+              <a:buFont typeface="Calibri"/>
+              <a:buChar char="-"/>
+            </a:pPr>
+            <a:r>
+              <a:rPr lang="ru-RU" sz="2000" b="1" dirty="0"/>
+              <a:t>ГОСТ Р ИСО/МЭК 12207-2010</a:t>
+            </a:r>
+            <a:r>
+              <a:rPr lang="ru-RU" sz="2000" dirty="0"/>
+              <a:t> — системная и программная инженерия, описывающая процессы </a:t>
+            </a:r>
+            <a:r>
+              <a:rPr lang="ru-RU" sz="2000" b="1" dirty="0"/>
+              <a:t>жизненного цикла программных средств</a:t>
+            </a:r>
+            <a:r>
+              <a:rPr lang="ru-RU" sz="2000" dirty="0"/>
+              <a:t>. </a:t>
+            </a:r>
+            <a:endParaRPr lang="en-US" sz="2000" dirty="0">
               <a:solidFill>
                 <a:srgbClr val="222222"/>
               </a:solidFill>
@@ -9509,6 +9673,13 @@
   <p:clrMapOvr>
     <a:masterClrMapping/>
   </p:clrMapOvr>
+  <p:timing>
+    <p:tnLst>
+      <p:par>
+        <p:cTn id="1" dur="indefinite" restart="never" nodeType="tmRoot"/>
+      </p:par>
+    </p:tnLst>
+  </p:timing>
 </p:sld>
 </file>
 
@@ -9535,8 +9706,8 @@
           <a:chExt cx="0" cy="0"/>
         </a:xfrm>
       </p:grpSpPr>
-      <mc:AlternateContent xmlns:mc="http://schemas.openxmlformats.org/markup-compatibility/2006">
-        <mc:Choice xmlns:p14="http://schemas.microsoft.com/office/powerpoint/2010/main" Requires="p14">
+      <mc:AlternateContent xmlns:mc="http://schemas.openxmlformats.org/markup-compatibility/2006" xmlns:p14="http://schemas.microsoft.com/office/powerpoint/2010/main">
+        <mc:Choice Requires="p14">
           <p:contentPart p14:bwMode="auto" r:id="rId2">
             <p14:nvContentPartPr>
               <p14:cNvPr id="5" name="Рукописный ввод 4">
@@ -9555,7 +9726,7 @@
             </p14:xfrm>
           </p:contentPart>
         </mc:Choice>
-        <mc:Fallback>
+        <mc:Fallback xmlns="">
           <p:pic>
             <p:nvPicPr>
               <p:cNvPr id="5" name="Рукописный ввод 4">
@@ -9586,8 +9757,8 @@
           </p:pic>
         </mc:Fallback>
       </mc:AlternateContent>
-      <mc:AlternateContent xmlns:mc="http://schemas.openxmlformats.org/markup-compatibility/2006">
-        <mc:Choice xmlns:p14="http://schemas.microsoft.com/office/powerpoint/2010/main" Requires="p14">
+      <mc:AlternateContent xmlns:mc="http://schemas.openxmlformats.org/markup-compatibility/2006" xmlns:p14="http://schemas.microsoft.com/office/powerpoint/2010/main">
+        <mc:Choice Requires="p14">
           <p:contentPart p14:bwMode="auto" r:id="rId4">
             <p14:nvContentPartPr>
               <p14:cNvPr id="6" name="Рукописный ввод 5">
@@ -9606,7 +9777,7 @@
             </p14:xfrm>
           </p:contentPart>
         </mc:Choice>
-        <mc:Fallback>
+        <mc:Fallback xmlns="">
           <p:pic>
             <p:nvPicPr>
               <p:cNvPr id="6" name="Рукописный ввод 5">
@@ -9637,8 +9808,8 @@
           </p:pic>
         </mc:Fallback>
       </mc:AlternateContent>
-      <mc:AlternateContent xmlns:mc="http://schemas.openxmlformats.org/markup-compatibility/2006">
-        <mc:Choice xmlns:p14="http://schemas.microsoft.com/office/powerpoint/2010/main" Requires="p14">
+      <mc:AlternateContent xmlns:mc="http://schemas.openxmlformats.org/markup-compatibility/2006" xmlns:p14="http://schemas.microsoft.com/office/powerpoint/2010/main">
+        <mc:Choice Requires="p14">
           <p:contentPart p14:bwMode="auto" r:id="rId5">
             <p14:nvContentPartPr>
               <p14:cNvPr id="7" name="Рукописный ввод 6">
@@ -9657,7 +9828,7 @@
             </p14:xfrm>
           </p:contentPart>
         </mc:Choice>
-        <mc:Fallback>
+        <mc:Fallback xmlns="">
           <p:pic>
             <p:nvPicPr>
               <p:cNvPr id="7" name="Рукописный ввод 6">
@@ -9688,8 +9859,8 @@
           </p:pic>
         </mc:Fallback>
       </mc:AlternateContent>
-      <mc:AlternateContent xmlns:mc="http://schemas.openxmlformats.org/markup-compatibility/2006">
-        <mc:Choice xmlns:p14="http://schemas.microsoft.com/office/powerpoint/2010/main" Requires="p14">
+      <mc:AlternateContent xmlns:mc="http://schemas.openxmlformats.org/markup-compatibility/2006" xmlns:p14="http://schemas.microsoft.com/office/powerpoint/2010/main">
+        <mc:Choice Requires="p14">
           <p:contentPart p14:bwMode="auto" r:id="rId6">
             <p14:nvContentPartPr>
               <p14:cNvPr id="8" name="Рукописный ввод 7">
@@ -9708,7 +9879,7 @@
             </p14:xfrm>
           </p:contentPart>
         </mc:Choice>
-        <mc:Fallback>
+        <mc:Fallback xmlns="">
           <p:pic>
             <p:nvPicPr>
               <p:cNvPr id="8" name="Рукописный ввод 7">
@@ -9739,8 +9910,8 @@
           </p:pic>
         </mc:Fallback>
       </mc:AlternateContent>
-      <mc:AlternateContent xmlns:mc="http://schemas.openxmlformats.org/markup-compatibility/2006">
-        <mc:Choice xmlns:p14="http://schemas.microsoft.com/office/powerpoint/2010/main" Requires="p14">
+      <mc:AlternateContent xmlns:mc="http://schemas.openxmlformats.org/markup-compatibility/2006" xmlns:p14="http://schemas.microsoft.com/office/powerpoint/2010/main">
+        <mc:Choice Requires="p14">
           <p:contentPart p14:bwMode="auto" r:id="rId7">
             <p14:nvContentPartPr>
               <p14:cNvPr id="12" name="Рукописный ввод 11">
@@ -9759,7 +9930,7 @@
             </p14:xfrm>
           </p:contentPart>
         </mc:Choice>
-        <mc:Fallback>
+        <mc:Fallback xmlns="">
           <p:pic>
             <p:nvPicPr>
               <p:cNvPr id="12" name="Рукописный ввод 11">
@@ -10276,6 +10447,13 @@
   <p:clrMapOvr>
     <a:masterClrMapping/>
   </p:clrMapOvr>
+  <p:timing>
+    <p:tnLst>
+      <p:par>
+        <p:cTn id="1" dur="indefinite" restart="never" nodeType="tmRoot"/>
+      </p:par>
+    </p:tnLst>
+  </p:timing>
 </p:sld>
 </file>
 
@@ -10457,6 +10635,13 @@
   <p:clrMapOvr>
     <a:masterClrMapping/>
   </p:clrMapOvr>
+  <p:timing>
+    <p:tnLst>
+      <p:par>
+        <p:cTn id="1" dur="indefinite" restart="never" nodeType="tmRoot"/>
+      </p:par>
+    </p:tnLst>
+  </p:timing>
 </p:sld>
 </file>
 
